--- a/doc/Redovisning.pptx
+++ b/doc/Redovisning.pptx
@@ -4135,7 +4135,7 @@
             </a:br>
             <a:r>
               <a:rPr lang="en" dirty="0"/>
-              <a:t>EN HELT NY TODO-APP</a:t>
+              <a:t>EN GRYM TODO-APP</a:t>
             </a:r>
             <a:endParaRPr dirty="0"/>
           </a:p>
@@ -4166,7 +4166,7 @@
         </p:blipFill>
         <p:spPr>
           <a:xfrm>
-            <a:off x="8379070" y="4396155"/>
+            <a:off x="145692" y="4355832"/>
             <a:ext cx="633046" cy="633046"/>
           </a:xfrm>
           <a:prstGeom prst="rect">
@@ -4314,19 +4314,13 @@
           <a:p>
             <a:r>
               <a:rPr lang="en-GB" sz="2000" noProof="1"/>
-              <a:t>- Gör att utvecklaren kan fokusera på applikationen</a:t>
+              <a:t>- Gör att utvecklaren kan fokusera på produkten</a:t>
             </a:r>
           </a:p>
           <a:p>
             <a:r>
               <a:rPr lang="en-GB" sz="2000" noProof="1"/>
-              <a:t>- Sparar tid</a:t>
-            </a:r>
-          </a:p>
-          <a:p>
-            <a:r>
-              <a:rPr lang="en-GB" sz="2000" noProof="1"/>
-              <a:t>- Förenklar repetitiva moment t ex skapa tabeller</a:t>
+              <a:t>- Minskad repetition t ex skapa tabeller, formulär, request/response</a:t>
             </a:r>
           </a:p>
           <a:p>
@@ -4404,22 +4398,39 @@
           <a:p>
             <a:r>
               <a:rPr lang="en-GB" sz="2000" noProof="1"/>
-              <a:t>Kräver att utvecklaren “tänker större”</a:t>
-            </a:r>
-          </a:p>
-          <a:p>
-            <a:r>
+              <a:t>En viss införandetröskel</a:t>
+            </a:r>
+            <a:br>
               <a:rPr lang="en-GB" sz="2000" noProof="1"/>
-              <a:t>Mer arkitekturtänk</a:t>
-            </a:r>
-          </a:p>
-          <a:p>
+            </a:br>
             <a:r>
               <a:rPr lang="en-GB" sz="2000" noProof="1"/>
-              <a:t>Ställer ofta frågan “Var/hur?”</a:t>
-            </a:r>
-          </a:p>
-          <a:p>
+              <a:t>- Kräver mer teorikunskaper</a:t>
+            </a:r>
+          </a:p>
+          <a:p>
+            <a:r>
+              <a:rPr lang="en-GB" sz="2000" noProof="1"/>
+              <a:t>- Kräver att utvecklaren tänker mer på arkitektur</a:t>
+            </a:r>
+          </a:p>
+          <a:p>
+            <a:br>
+              <a:rPr lang="en-GB" sz="2000" noProof="1"/>
+            </a:br>
+            <a:r>
+              <a:rPr lang="en-GB" sz="2000" noProof="1"/>
+              <a:t>Nya frågor under utvecklingen</a:t>
+            </a:r>
+          </a:p>
+          <a:p>
+            <a:r>
+              <a:rPr lang="en-GB" sz="2000" noProof="1"/>
+              <a:t>- Hur ska designen se ut?</a:t>
+            </a:r>
+            <a:br>
+              <a:rPr lang="en-GB" sz="2000" noProof="1"/>
+            </a:br>
             <a:r>
               <a:rPr lang="en-GB" sz="2000" noProof="1"/>
               <a:t>- Var passar funktionen in i ramverket?</a:t>
@@ -4428,21 +4439,18 @@
           <a:p>
             <a:r>
               <a:rPr lang="en-GB" sz="2000" noProof="1"/>
-              <a:t>- Var behöver funktionen vara tillgänglig?</a:t>
-            </a:r>
-          </a:p>
-          <a:p>
-            <a:r>
+              <a:t>- Hur gör vi den testbar?</a:t>
+            </a:r>
+            <a:br>
               <a:rPr lang="en-GB" sz="2000" noProof="1"/>
-              <a:t>- Hur behöver funktionen vara återanvändbar?</a:t>
-            </a:r>
-          </a:p>
-          <a:p>
+            </a:br>
             <a:r>
               <a:rPr lang="en-GB" sz="2000" noProof="1"/>
-              <a:t>- Hur kan man vidareutveckla funktionalitet?</a:t>
-            </a:r>
-            <a:endParaRPr lang="en-GB" sz="2000" dirty="0"/>
+              <a:t>- Hur ska den kunna vidareutvecklas i framtiden?</a:t>
+            </a:r>
+          </a:p>
+          <a:p>
+            <a:endParaRPr lang="en-GB" sz="2000" noProof="1"/>
           </a:p>
         </p:txBody>
       </p:sp>
@@ -4569,14 +4577,8 @@
           <a:lstStyle/>
           <a:p>
             <a:r>
-              <a:rPr lang="en-GB" sz="2000" b="1" noProof="1"/>
-              <a:t>Inledning</a:t>
-            </a:r>
-          </a:p>
-          <a:p>
-            <a:r>
               <a:rPr lang="en-GB" sz="2000" noProof="1"/>
-              <a:t>En presentation i två delar:</a:t>
+              <a:t>Det här är en presentation i två delar:</a:t>
             </a:r>
           </a:p>
           <a:p>
@@ -4597,7 +4599,7 @@
           <a:p>
             <a:r>
               <a:rPr lang="en-GB" sz="2000" noProof="1"/>
-              <a:t>- Scope, svårighet mm</a:t>
+              <a:t>- Scope, utmaningar mm</a:t>
             </a:r>
           </a:p>
           <a:p>
@@ -4612,7 +4614,7 @@
           <a:p>
             <a:r>
               <a:rPr lang="en-GB" sz="2000" noProof="1"/>
-              <a:t>- Förslag till nya utvecklare</a:t>
+              <a:t>- Bästa råden nya utvecklare</a:t>
             </a:r>
           </a:p>
         </p:txBody>
@@ -4747,13 +4749,7 @@
           <a:p>
             <a:r>
               <a:rPr lang="en-GB" sz="2000" noProof="1"/>
-              <a:t>Demonstrera Symfony</a:t>
-            </a:r>
-          </a:p>
-          <a:p>
-            <a:r>
-              <a:rPr lang="en-GB" sz="2000" noProof="1"/>
-              <a:t>Demonstrera Doctrine (ORM)</a:t>
+              <a:t>Demonstrera Symfony, Doctrine (ORM) och Twig</a:t>
             </a:r>
           </a:p>
           <a:p>
@@ -4762,7 +4758,7 @@
           <a:p>
             <a:r>
               <a:rPr lang="en-GB" sz="2000" b="1" noProof="1"/>
-              <a:t>Målsättning</a:t>
+              <a:t>Målet</a:t>
             </a:r>
           </a:p>
           <a:p>
@@ -4879,13 +4875,13 @@
           <a:p>
             <a:r>
               <a:rPr lang="en-GB" sz="2000" b="1" noProof="1"/>
-              <a:t>Lätt</a:t>
+              <a:t>Vad har varit lätt</a:t>
             </a:r>
           </a:p>
           <a:p>
             <a:r>
               <a:rPr lang="en-GB" sz="2000" noProof="1"/>
-              <a:t>Stor userbase som redan ställt de flesta frågor sedan tidigare</a:t>
+              <a:t>En stor developer base</a:t>
             </a:r>
           </a:p>
           <a:p>
@@ -4893,11 +4889,27 @@
               <a:rPr lang="en-GB" sz="2000" noProof="1"/>
               <a:t>Bra dokumentation</a:t>
             </a:r>
-          </a:p>
-          <a:p>
-            <a:r>
+            <a:br>
               <a:rPr lang="en-GB" sz="2000" noProof="1"/>
-              <a:t>Twig</a:t>
+            </a:br>
+            <a:r>
+              <a:rPr lang="en-GB" sz="2000" noProof="1"/>
+              <a:t>Många ställda frågor sedan tidigare</a:t>
+            </a:r>
+          </a:p>
+          <a:p>
+            <a:r>
+              <a:rPr lang="en-GB" sz="2000" noProof="1"/>
+              <a:t>En del erfarenhet sedan tidigare (Symfony/Twig/Doctrine)</a:t>
+            </a:r>
+          </a:p>
+          <a:p>
+            <a:endParaRPr lang="en-GB" sz="2000" noProof="1"/>
+          </a:p>
+          <a:p>
+            <a:r>
+              <a:rPr lang="en-GB" sz="2000" noProof="1"/>
+              <a:t>Fördelar med Twig</a:t>
             </a:r>
           </a:p>
           <a:p>
@@ -4921,13 +4933,7 @@
           <a:p>
             <a:r>
               <a:rPr lang="en-GB" sz="2000" noProof="1"/>
-              <a:t>- Integrerar väl med Doctrine (hämta relationsobjekt)</a:t>
-            </a:r>
-          </a:p>
-          <a:p>
-            <a:r>
-              <a:rPr lang="en-GB" sz="2000" noProof="1"/>
-              <a:t>En del erfarenhet sedan tidigare (Symfony/Doctrine)</a:t>
+              <a:t>- Integrerar väl med Symfony (filter, ORM)</a:t>
             </a:r>
           </a:p>
         </p:txBody>
@@ -4990,25 +4996,28 @@
           <a:p>
             <a:r>
               <a:rPr lang="en-GB" sz="2000" b="1" noProof="1"/>
-              <a:t>Medelsvårt</a:t>
-            </a:r>
+              <a:t>Vad har varit medelsvårt</a:t>
+            </a:r>
+          </a:p>
+          <a:p>
+            <a:endParaRPr lang="en-GB" sz="2000" noProof="1"/>
           </a:p>
           <a:p>
             <a:r>
               <a:rPr lang="en-GB" sz="2000" noProof="1"/>
-              <a:t>Ramverk ställer ofta frågan “Hur?”</a:t>
+              <a:t>Generellt</a:t>
             </a:r>
           </a:p>
           <a:p>
             <a:r>
               <a:rPr lang="en-GB" sz="2000" noProof="1"/>
-              <a:t>- Vilken typ av relation?</a:t>
+              <a:t>Flera nya koncept och moduler att lära sig</a:t>
             </a:r>
           </a:p>
           <a:p>
             <a:r>
               <a:rPr lang="en-GB" sz="2000" noProof="1"/>
-              <a:t>- Var i ramverket behöver funktionen vara tillgänglig?</a:t>
+              <a:t>Hur man utvecklar mot ramverket</a:t>
             </a:r>
           </a:p>
           <a:p>
@@ -5017,19 +5026,13 @@
           <a:p>
             <a:r>
               <a:rPr lang="en-GB" sz="2000" noProof="1"/>
-              <a:t>Intern funktionalitet i ramverket</a:t>
+              <a:t>Symfony-specifikt</a:t>
             </a:r>
           </a:p>
           <a:p>
             <a:r>
               <a:rPr lang="en-GB" sz="2000" noProof="1"/>
-              <a:t>- Var gränserna mellan komponenter går (Symfony/Doctrine/Twig)</a:t>
-            </a:r>
-          </a:p>
-          <a:p>
-            <a:r>
-              <a:rPr lang="en-GB" sz="2000" noProof="1"/>
-              <a:t>- Skapa entiteter/migreringar etc</a:t>
+              <a:t>- Workflow för ORM:et Doctrine</a:t>
             </a:r>
           </a:p>
           <a:p>
@@ -5041,15 +5044,14 @@
           <a:p>
             <a:r>
               <a:rPr lang="en-GB" sz="2000" noProof="1"/>
+              <a:t>- Tester med Symfonys WebTestCase</a:t>
+            </a:r>
+          </a:p>
+          <a:p>
+            <a:r>
+              <a:rPr lang="en-GB" sz="2000" noProof="1"/>
               <a:t>- Repositories och managers (Doctrine)</a:t>
             </a:r>
-          </a:p>
-          <a:p>
-            <a:r>
-              <a:rPr lang="en-GB" sz="2000" noProof="1"/>
-              <a:t>- Relationer i ORM:et (OneToMany)</a:t>
-            </a:r>
-            <a:endParaRPr lang="en-SE" sz="2000" noProof="1"/>
           </a:p>
         </p:txBody>
       </p:sp>
@@ -5111,13 +5113,13 @@
           <a:p>
             <a:r>
               <a:rPr lang="en-GB" sz="2000" b="1" noProof="1"/>
-              <a:t>Vårt scope</a:t>
+              <a:t>Scope</a:t>
             </a:r>
           </a:p>
           <a:p>
             <a:r>
               <a:rPr lang="en-GB" sz="2000" noProof="1"/>
-              <a:t>Fokuserat på våra datamodeller i Doctrine</a:t>
+              <a:t>Fokuset på datamodeller i Doctrine</a:t>
             </a:r>
           </a:p>
           <a:p>
@@ -5143,6 +5145,13 @@
               <a:rPr lang="en-SE" sz="2000" noProof="1"/>
               <a:t>- Tags</a:t>
             </a:r>
+            <a:br>
+              <a:rPr lang="en-SE" sz="2000" noProof="1"/>
+            </a:br>
+            <a:r>
+              <a:rPr lang="en-SE" sz="2000" noProof="1"/>
+              <a:t>- Comments</a:t>
+            </a:r>
           </a:p>
           <a:p>
             <a:endParaRPr lang="en-SE" sz="2000" noProof="1"/>
@@ -5171,7 +5180,7 @@
           <a:p>
             <a:r>
               <a:rPr lang="en-SE" sz="2000" noProof="1"/>
-              <a:t>- En Item har flera under-Items (hierarki)</a:t>
+              <a:t>- En Item har flera under-Items (en hierarki)</a:t>
             </a:r>
           </a:p>
         </p:txBody>
@@ -5240,13 +5249,13 @@
           <a:p>
             <a:r>
               <a:rPr lang="en-GB" sz="2000" noProof="1"/>
-              <a:t>Projektet tog cirka en vecka</a:t>
+              <a:t>Projektet tog cirka en vecka heltid</a:t>
             </a:r>
           </a:p>
           <a:p>
             <a:r>
               <a:rPr lang="en-GB" sz="2000" noProof="1"/>
-              <a:t>Ett lagom scope med lite tid över till dokumentation och presentation</a:t>
+              <a:t>Ett lagom scope med lite tid över till rapportskrivning och finputs</a:t>
             </a:r>
           </a:p>
           <a:p>
@@ -5261,59 +5270,29 @@
           <a:p>
             <a:r>
               <a:rPr lang="en-GB" sz="2000" noProof="1"/>
-              <a:t>Ett lagom stort projekt</a:t>
+              <a:t>Få studera ett modert webbramverk</a:t>
             </a:r>
           </a:p>
           <a:p>
             <a:r>
               <a:rPr lang="en-GB" sz="2000" noProof="1"/>
-              <a:t>Möjlighet till reflektion hur ett ramverk fungerar internt</a:t>
+              <a:t>- Arkitektur</a:t>
             </a:r>
           </a:p>
           <a:p>
             <a:r>
               <a:rPr lang="en-GB" sz="2000" noProof="1"/>
-              <a:t>Kreativ process i utvecklingen</a:t>
+              <a:t>- Intern funktionalitet</a:t>
             </a:r>
           </a:p>
           <a:p>
             <a:r>
               <a:rPr lang="en-GB" sz="2000" noProof="1"/>
-              <a:t>- Användbarhet, taggar, visuell kommunikation</a:t>
+              <a:t>Den kreativa processen</a:t>
             </a:r>
           </a:p>
         </p:txBody>
       </p:sp>
-      <p:pic>
-        <p:nvPicPr>
-          <p:cNvPr id="71" name="Picture 70" descr="Graphical user interface, text, application, chat or text message&#10;&#10;Description automatically generated">
-            <a:extLst>
-              <a:ext uri="{FF2B5EF4-FFF2-40B4-BE49-F238E27FC236}">
-                <a16:creationId xmlns:a16="http://schemas.microsoft.com/office/drawing/2014/main" id="{1A400650-E0CA-4441-9A3B-8147B1D98177}"/>
-              </a:ext>
-            </a:extLst>
-          </p:cNvPr>
-          <p:cNvPicPr>
-            <a:picLocks noChangeAspect="1"/>
-          </p:cNvPicPr>
-          <p:nvPr/>
-        </p:nvPicPr>
-        <p:blipFill>
-          <a:blip r:embed="rId2"/>
-          <a:stretch>
-            <a:fillRect/>
-          </a:stretch>
-        </p:blipFill>
-        <p:spPr>
-          <a:xfrm>
-            <a:off x="7126449" y="1361646"/>
-            <a:ext cx="1226243" cy="2167650"/>
-          </a:xfrm>
-          <a:prstGeom prst="rect">
-            <a:avLst/>
-          </a:prstGeom>
-        </p:spPr>
-      </p:pic>
     </p:spTree>
     <p:extLst>
       <p:ext uri="{BB962C8B-B14F-4D97-AF65-F5344CB8AC3E}">
@@ -5380,63 +5359,55 @@
               <a:rPr lang="en-GB" sz="2000" noProof="1"/>
               <a:t>Lite friare ramar</a:t>
             </a:r>
-          </a:p>
-          <a:p>
-            <a:r>
+            <a:br>
               <a:rPr lang="en-GB" sz="2000" noProof="1"/>
-              <a:t>- Möjligheter att utvecklas</a:t>
-            </a:r>
-          </a:p>
-          <a:p>
+            </a:br>
             <a:r>
               <a:rPr lang="en-GB" sz="2000" noProof="1"/>
-              <a:t>- Mer research (läsa dokumentation)</a:t>
+              <a:t>- Studera arkitektur – tänka större</a:t>
             </a:r>
           </a:p>
           <a:p>
             <a:r>
               <a:rPr lang="en-GB" sz="2000" noProof="1"/>
-              <a:t>- Ett större ansvar</a:t>
+              <a:t>- Produktutveckling – den kreativa processen</a:t>
             </a:r>
           </a:p>
           <a:p>
             <a:r>
               <a:rPr lang="en-GB" sz="2000" noProof="1"/>
-              <a:t>Mer fokus på arkitektur än kodning</a:t>
+              <a:t>- Bygga kunskaper inom objektorientering</a:t>
+            </a:r>
+          </a:p>
+          <a:p>
+            <a:r>
+              <a:rPr lang="en-GB" sz="2000" noProof="1"/>
+              <a:t>- Innebär ett större ansvar</a:t>
+            </a:r>
+          </a:p>
+          <a:p>
+            <a:br>
+              <a:rPr lang="en-GB" sz="2000" noProof="1"/>
+            </a:br>
+            <a:r>
+              <a:rPr lang="en-GB" sz="2000" noProof="1"/>
+              <a:t>Studera moderna teknologier</a:t>
+            </a:r>
+          </a:p>
+          <a:p>
+            <a:r>
+              <a:rPr lang="en-GB" sz="2000" noProof="1"/>
+              <a:t>- Nära koppling till arbetsmarknaden</a:t>
+            </a:r>
+          </a:p>
+          <a:p>
+            <a:r>
+              <a:rPr lang="en-GB" sz="2000" noProof="1"/>
+              <a:t>- Viktiga begrepp inför framtiden (nya lager på “löken”)</a:t>
             </a:r>
           </a:p>
         </p:txBody>
       </p:sp>
-      <p:pic>
-        <p:nvPicPr>
-          <p:cNvPr id="71" name="Picture 70" descr="Graphical user interface, text, application, chat or text message&#10;&#10;Description automatically generated">
-            <a:extLst>
-              <a:ext uri="{FF2B5EF4-FFF2-40B4-BE49-F238E27FC236}">
-                <a16:creationId xmlns:a16="http://schemas.microsoft.com/office/drawing/2014/main" id="{1A400650-E0CA-4441-9A3B-8147B1D98177}"/>
-              </a:ext>
-            </a:extLst>
-          </p:cNvPr>
-          <p:cNvPicPr>
-            <a:picLocks noChangeAspect="1"/>
-          </p:cNvPicPr>
-          <p:nvPr/>
-        </p:nvPicPr>
-        <p:blipFill>
-          <a:blip r:embed="rId2"/>
-          <a:stretch>
-            <a:fillRect/>
-          </a:stretch>
-        </p:blipFill>
-        <p:spPr>
-          <a:xfrm>
-            <a:off x="7126449" y="1361646"/>
-            <a:ext cx="1226243" cy="2167650"/>
-          </a:xfrm>
-          <a:prstGeom prst="rect">
-            <a:avLst/>
-          </a:prstGeom>
-        </p:spPr>
-      </p:pic>
     </p:spTree>
     <p:extLst>
       <p:ext uri="{BB962C8B-B14F-4D97-AF65-F5344CB8AC3E}">
